--- a/electron/splash.pptx
+++ b/electron/splash.pptx
@@ -104,6 +104,11 @@
       </a:defRPr>
     </a:lvl9pPr>
   </p:defaultTextStyle>
+  <p:extLst>
+    <p:ext uri="{EFAFB233-063F-42B5-8137-9DF3F51BA10A}">
+      <p15:sldGuideLst xmlns:p15="http://schemas.microsoft.com/office/powerpoint/2012/main"/>
+    </p:ext>
+  </p:extLst>
 </p:presentation>
 </file>
 
@@ -256,7 +261,7 @@
           <a:p>
             <a:fld id="{E3594EF9-6496-4BCC-8607-B39DB1D0A02C}" type="datetimeFigureOut">
               <a:rPr lang="es-ES" smtClean="0"/>
-              <a:t>06/02/2026</a:t>
+              <a:t>07/02/2026</a:t>
             </a:fld>
             <a:endParaRPr lang="es-ES"/>
           </a:p>
@@ -456,7 +461,7 @@
           <a:p>
             <a:fld id="{E3594EF9-6496-4BCC-8607-B39DB1D0A02C}" type="datetimeFigureOut">
               <a:rPr lang="es-ES" smtClean="0"/>
-              <a:t>06/02/2026</a:t>
+              <a:t>07/02/2026</a:t>
             </a:fld>
             <a:endParaRPr lang="es-ES"/>
           </a:p>
@@ -666,7 +671,7 @@
           <a:p>
             <a:fld id="{E3594EF9-6496-4BCC-8607-B39DB1D0A02C}" type="datetimeFigureOut">
               <a:rPr lang="es-ES" smtClean="0"/>
-              <a:t>06/02/2026</a:t>
+              <a:t>07/02/2026</a:t>
             </a:fld>
             <a:endParaRPr lang="es-ES"/>
           </a:p>
@@ -866,7 +871,7 @@
           <a:p>
             <a:fld id="{E3594EF9-6496-4BCC-8607-B39DB1D0A02C}" type="datetimeFigureOut">
               <a:rPr lang="es-ES" smtClean="0"/>
-              <a:t>06/02/2026</a:t>
+              <a:t>07/02/2026</a:t>
             </a:fld>
             <a:endParaRPr lang="es-ES"/>
           </a:p>
@@ -1142,7 +1147,7 @@
           <a:p>
             <a:fld id="{E3594EF9-6496-4BCC-8607-B39DB1D0A02C}" type="datetimeFigureOut">
               <a:rPr lang="es-ES" smtClean="0"/>
-              <a:t>06/02/2026</a:t>
+              <a:t>07/02/2026</a:t>
             </a:fld>
             <a:endParaRPr lang="es-ES"/>
           </a:p>
@@ -1410,7 +1415,7 @@
           <a:p>
             <a:fld id="{E3594EF9-6496-4BCC-8607-B39DB1D0A02C}" type="datetimeFigureOut">
               <a:rPr lang="es-ES" smtClean="0"/>
-              <a:t>06/02/2026</a:t>
+              <a:t>07/02/2026</a:t>
             </a:fld>
             <a:endParaRPr lang="es-ES"/>
           </a:p>
@@ -1825,7 +1830,7 @@
           <a:p>
             <a:fld id="{E3594EF9-6496-4BCC-8607-B39DB1D0A02C}" type="datetimeFigureOut">
               <a:rPr lang="es-ES" smtClean="0"/>
-              <a:t>06/02/2026</a:t>
+              <a:t>07/02/2026</a:t>
             </a:fld>
             <a:endParaRPr lang="es-ES"/>
           </a:p>
@@ -1967,7 +1972,7 @@
           <a:p>
             <a:fld id="{E3594EF9-6496-4BCC-8607-B39DB1D0A02C}" type="datetimeFigureOut">
               <a:rPr lang="es-ES" smtClean="0"/>
-              <a:t>06/02/2026</a:t>
+              <a:t>07/02/2026</a:t>
             </a:fld>
             <a:endParaRPr lang="es-ES"/>
           </a:p>
@@ -2080,7 +2085,7 @@
           <a:p>
             <a:fld id="{E3594EF9-6496-4BCC-8607-B39DB1D0A02C}" type="datetimeFigureOut">
               <a:rPr lang="es-ES" smtClean="0"/>
-              <a:t>06/02/2026</a:t>
+              <a:t>07/02/2026</a:t>
             </a:fld>
             <a:endParaRPr lang="es-ES"/>
           </a:p>
@@ -2393,7 +2398,7 @@
           <a:p>
             <a:fld id="{E3594EF9-6496-4BCC-8607-B39DB1D0A02C}" type="datetimeFigureOut">
               <a:rPr lang="es-ES" smtClean="0"/>
-              <a:t>06/02/2026</a:t>
+              <a:t>07/02/2026</a:t>
             </a:fld>
             <a:endParaRPr lang="es-ES"/>
           </a:p>
@@ -2682,7 +2687,7 @@
           <a:p>
             <a:fld id="{E3594EF9-6496-4BCC-8607-B39DB1D0A02C}" type="datetimeFigureOut">
               <a:rPr lang="es-ES" smtClean="0"/>
-              <a:t>06/02/2026</a:t>
+              <a:t>07/02/2026</a:t>
             </a:fld>
             <a:endParaRPr lang="es-ES"/>
           </a:p>
@@ -2925,7 +2930,7 @@
           <a:p>
             <a:fld id="{E3594EF9-6496-4BCC-8607-B39DB1D0A02C}" type="datetimeFigureOut">
               <a:rPr lang="es-ES" smtClean="0"/>
-              <a:t>06/02/2026</a:t>
+              <a:t>07/02/2026</a:t>
             </a:fld>
             <a:endParaRPr lang="es-ES"/>
           </a:p>
@@ -3493,8 +3498,8 @@
         </p:nvSpPr>
         <p:spPr>
           <a:xfrm>
-            <a:off x="7727055" y="804671"/>
-            <a:ext cx="1563248" cy="1200329"/>
+            <a:off x="6854883" y="1058588"/>
+            <a:ext cx="2252540" cy="646331"/>
           </a:xfrm>
           <a:prstGeom prst="rect">
             <a:avLst/>
@@ -3509,50 +3514,22 @@
           <a:p>
             <a:pPr algn="r"/>
             <a:r>
-              <a:rPr lang="es-ES" dirty="0">
+              <a:rPr lang="en-US" noProof="0" dirty="0">
                 <a:latin typeface="Courier New" panose="02070309020205020404" pitchFamily="49" charset="0"/>
                 <a:cs typeface="Courier New" panose="02070309020205020404" pitchFamily="49" charset="0"/>
               </a:rPr>
-              <a:t>Your</a:t>
+              <a:t>Your Kubernetes</a:t>
             </a:r>
           </a:p>
           <a:p>
             <a:pPr algn="r"/>
             <a:r>
-              <a:rPr lang="es-ES" dirty="0">
+              <a:rPr lang="en-US" noProof="0" dirty="0">
                 <a:latin typeface="Courier New" panose="02070309020205020404" pitchFamily="49" charset="0"/>
                 <a:cs typeface="Courier New" panose="02070309020205020404" pitchFamily="49" charset="0"/>
               </a:rPr>
-              <a:t>Kubernetes</a:t>
-            </a:r>
-          </a:p>
-          <a:p>
-            <a:pPr algn="r"/>
-            <a:r>
-              <a:rPr lang="es-ES" dirty="0" err="1">
-                <a:latin typeface="Courier New" panose="02070309020205020404" pitchFamily="49" charset="0"/>
-                <a:cs typeface="Courier New" panose="02070309020205020404" pitchFamily="49" charset="0"/>
-              </a:rPr>
-              <a:t>Friendly</a:t>
-            </a:r>
-            <a:endParaRPr lang="es-ES" dirty="0">
-              <a:latin typeface="Courier New" panose="02070309020205020404" pitchFamily="49" charset="0"/>
-              <a:cs typeface="Courier New" panose="02070309020205020404" pitchFamily="49" charset="0"/>
-            </a:endParaRPr>
-          </a:p>
-          <a:p>
-            <a:pPr algn="r"/>
-            <a:r>
-              <a:rPr lang="es-ES" dirty="0" err="1">
-                <a:latin typeface="Courier New" panose="02070309020205020404" pitchFamily="49" charset="0"/>
-                <a:cs typeface="Courier New" panose="02070309020205020404" pitchFamily="49" charset="0"/>
-              </a:rPr>
-              <a:t>tool</a:t>
-            </a:r>
-            <a:endParaRPr lang="es-ES" dirty="0">
-              <a:latin typeface="Courier New" panose="02070309020205020404" pitchFamily="49" charset="0"/>
-              <a:cs typeface="Courier New" panose="02070309020205020404" pitchFamily="49" charset="0"/>
-            </a:endParaRPr>
+              <a:t>Friendly tool</a:t>
+            </a:r>
           </a:p>
         </p:txBody>
       </p:sp>
